--- a/Update160463/Powerpoint/บท 8.pptx
+++ b/Update160463/Powerpoint/บท 8.pptx
@@ -6,21 +6,20 @@
     <p:sldMasterId id="2147483692" r:id="rId2"/>
   </p:sldMasterIdLst>
   <p:notesMasterIdLst>
-    <p:notesMasterId r:id="rId15"/>
+    <p:notesMasterId r:id="rId14"/>
   </p:notesMasterIdLst>
   <p:sldIdLst>
-    <p:sldId id="275" r:id="rId3"/>
-    <p:sldId id="276" r:id="rId4"/>
-    <p:sldId id="309" r:id="rId5"/>
-    <p:sldId id="318" r:id="rId6"/>
-    <p:sldId id="310" r:id="rId7"/>
-    <p:sldId id="311" r:id="rId8"/>
-    <p:sldId id="319" r:id="rId9"/>
-    <p:sldId id="312" r:id="rId10"/>
-    <p:sldId id="313" r:id="rId11"/>
-    <p:sldId id="320" r:id="rId12"/>
-    <p:sldId id="314" r:id="rId13"/>
-    <p:sldId id="317" r:id="rId14"/>
+    <p:sldId id="276" r:id="rId3"/>
+    <p:sldId id="309" r:id="rId4"/>
+    <p:sldId id="318" r:id="rId5"/>
+    <p:sldId id="310" r:id="rId6"/>
+    <p:sldId id="311" r:id="rId7"/>
+    <p:sldId id="319" r:id="rId8"/>
+    <p:sldId id="312" r:id="rId9"/>
+    <p:sldId id="313" r:id="rId10"/>
+    <p:sldId id="320" r:id="rId11"/>
+    <p:sldId id="314" r:id="rId12"/>
+    <p:sldId id="317" r:id="rId13"/>
   </p:sldIdLst>
   <p:sldSz cx="12192000" cy="6858000"/>
   <p:notesSz cx="6858000" cy="9144000"/>
@@ -220,7 +219,7 @@
           <a:p>
             <a:fld id="{3389243F-B1BB-4202-BD78-416ACA555174}" type="datetimeFigureOut">
               <a:rPr lang="en-US" smtClean="0"/>
-              <a:t>4/6/2020</a:t>
+              <a:t>4/23/2020</a:t>
             </a:fld>
             <a:endParaRPr lang="en-US"/>
           </a:p>
@@ -571,7 +570,7 @@
     </p:spTree>
     <p:extLst>
       <p:ext uri="{BB962C8B-B14F-4D97-AF65-F5344CB8AC3E}">
-        <p14:creationId xmlns:p14="http://schemas.microsoft.com/office/powerpoint/2010/main" val="2442656686"/>
+        <p14:creationId xmlns:p14="http://schemas.microsoft.com/office/powerpoint/2010/main" val="2774460028"/>
       </p:ext>
     </p:extLst>
   </p:cSld>
@@ -582,100 +581,6 @@
 </file>
 
 <file path=ppt/notesSlides/notesSlide10.xml><?xml version="1.0" encoding="utf-8"?>
-<p:notes xmlns:a="http://schemas.openxmlformats.org/drawingml/2006/main" xmlns:r="http://schemas.openxmlformats.org/officeDocument/2006/relationships" xmlns:p="http://schemas.openxmlformats.org/presentationml/2006/main">
-  <p:cSld>
-    <p:spTree>
-      <p:nvGrpSpPr>
-        <p:cNvPr id="1" name=""/>
-        <p:cNvGrpSpPr/>
-        <p:nvPr/>
-      </p:nvGrpSpPr>
-      <p:grpSpPr>
-        <a:xfrm>
-          <a:off x="0" y="0"/>
-          <a:ext cx="0" cy="0"/>
-          <a:chOff x="0" y="0"/>
-          <a:chExt cx="0" cy="0"/>
-        </a:xfrm>
-      </p:grpSpPr>
-      <p:sp>
-        <p:nvSpPr>
-          <p:cNvPr id="2" name="Slide Image Placeholder 1"/>
-          <p:cNvSpPr>
-            <a:spLocks noGrp="1" noRot="1" noChangeAspect="1"/>
-          </p:cNvSpPr>
-          <p:nvPr>
-            <p:ph type="sldImg"/>
-          </p:nvPr>
-        </p:nvSpPr>
-        <p:spPr>
-          <a:xfrm>
-            <a:off x="381000" y="685800"/>
-            <a:ext cx="6096000" cy="3429000"/>
-          </a:xfrm>
-        </p:spPr>
-      </p:sp>
-      <p:sp>
-        <p:nvSpPr>
-          <p:cNvPr id="3" name="Notes Placeholder 2"/>
-          <p:cNvSpPr>
-            <a:spLocks noGrp="1"/>
-          </p:cNvSpPr>
-          <p:nvPr>
-            <p:ph type="body" idx="1"/>
-          </p:nvPr>
-        </p:nvSpPr>
-        <p:spPr/>
-        <p:txBody>
-          <a:bodyPr/>
-          <a:lstStyle/>
-          <a:p>
-            <a:pPr marL="0" marR="0" indent="0" algn="l" defTabSz="914400" rtl="0" eaLnBrk="1" fontAlgn="auto" latinLnBrk="0" hangingPunct="1">
-              <a:lnSpc>
-                <a:spcPct val="100000"/>
-              </a:lnSpc>
-              <a:spcBef>
-                <a:spcPts val="0"/>
-              </a:spcBef>
-              <a:spcAft>
-                <a:spcPts val="0"/>
-              </a:spcAft>
-              <a:buClrTx/>
-              <a:buSzTx/>
-              <a:buFontTx/>
-              <a:buNone/>
-              <a:tabLst/>
-              <a:defRPr/>
-            </a:pPr>
-            <a:r>
-              <a:rPr lang="en-US" dirty="0"/>
-              <a:t>© Copyright </a:t>
-            </a:r>
-            <a:r>
-              <a:rPr lang="en-US" b="1" dirty="0"/>
-              <a:t>PresentationGo.com</a:t>
-            </a:r>
-            <a:r>
-              <a:rPr lang="en-US" dirty="0"/>
-              <a:t> – The free PowerPoint library</a:t>
-            </a:r>
-          </a:p>
-        </p:txBody>
-      </p:sp>
-    </p:spTree>
-    <p:extLst>
-      <p:ext uri="{BB962C8B-B14F-4D97-AF65-F5344CB8AC3E}">
-        <p14:creationId xmlns:p14="http://schemas.microsoft.com/office/powerpoint/2010/main" val="916451743"/>
-      </p:ext>
-    </p:extLst>
-  </p:cSld>
-  <p:clrMapOvr>
-    <a:masterClrMapping/>
-  </p:clrMapOvr>
-</p:notes>
-</file>
-
-<file path=ppt/notesSlides/notesSlide11.xml><?xml version="1.0" encoding="utf-8"?>
 <p:notes xmlns:a="http://schemas.openxmlformats.org/drawingml/2006/main" xmlns:r="http://schemas.openxmlformats.org/officeDocument/2006/relationships" xmlns:p="http://schemas.openxmlformats.org/presentationml/2006/main">
   <p:cSld>
     <p:spTree>
@@ -853,7 +758,7 @@
     </p:spTree>
     <p:extLst>
       <p:ext uri="{BB962C8B-B14F-4D97-AF65-F5344CB8AC3E}">
-        <p14:creationId xmlns:p14="http://schemas.microsoft.com/office/powerpoint/2010/main" val="2774460028"/>
+        <p14:creationId xmlns:p14="http://schemas.microsoft.com/office/powerpoint/2010/main" val="392052127"/>
       </p:ext>
     </p:extLst>
   </p:cSld>
@@ -947,7 +852,7 @@
     </p:spTree>
     <p:extLst>
       <p:ext uri="{BB962C8B-B14F-4D97-AF65-F5344CB8AC3E}">
-        <p14:creationId xmlns:p14="http://schemas.microsoft.com/office/powerpoint/2010/main" val="392052127"/>
+        <p14:creationId xmlns:p14="http://schemas.microsoft.com/office/powerpoint/2010/main" val="3632562571"/>
       </p:ext>
     </p:extLst>
   </p:cSld>
@@ -1041,7 +946,7 @@
     </p:spTree>
     <p:extLst>
       <p:ext uri="{BB962C8B-B14F-4D97-AF65-F5344CB8AC3E}">
-        <p14:creationId xmlns:p14="http://schemas.microsoft.com/office/powerpoint/2010/main" val="3632562571"/>
+        <p14:creationId xmlns:p14="http://schemas.microsoft.com/office/powerpoint/2010/main" val="992018154"/>
       </p:ext>
     </p:extLst>
   </p:cSld>
@@ -1135,7 +1040,7 @@
     </p:spTree>
     <p:extLst>
       <p:ext uri="{BB962C8B-B14F-4D97-AF65-F5344CB8AC3E}">
-        <p14:creationId xmlns:p14="http://schemas.microsoft.com/office/powerpoint/2010/main" val="992018154"/>
+        <p14:creationId xmlns:p14="http://schemas.microsoft.com/office/powerpoint/2010/main" val="2173810644"/>
       </p:ext>
     </p:extLst>
   </p:cSld>
@@ -1229,7 +1134,7 @@
     </p:spTree>
     <p:extLst>
       <p:ext uri="{BB962C8B-B14F-4D97-AF65-F5344CB8AC3E}">
-        <p14:creationId xmlns:p14="http://schemas.microsoft.com/office/powerpoint/2010/main" val="2173810644"/>
+        <p14:creationId xmlns:p14="http://schemas.microsoft.com/office/powerpoint/2010/main" val="3428176812"/>
       </p:ext>
     </p:extLst>
   </p:cSld>
@@ -1323,7 +1228,7 @@
     </p:spTree>
     <p:extLst>
       <p:ext uri="{BB962C8B-B14F-4D97-AF65-F5344CB8AC3E}">
-        <p14:creationId xmlns:p14="http://schemas.microsoft.com/office/powerpoint/2010/main" val="3428176812"/>
+        <p14:creationId xmlns:p14="http://schemas.microsoft.com/office/powerpoint/2010/main" val="1940709183"/>
       </p:ext>
     </p:extLst>
   </p:cSld>
@@ -1417,7 +1322,7 @@
     </p:spTree>
     <p:extLst>
       <p:ext uri="{BB962C8B-B14F-4D97-AF65-F5344CB8AC3E}">
-        <p14:creationId xmlns:p14="http://schemas.microsoft.com/office/powerpoint/2010/main" val="1940709183"/>
+        <p14:creationId xmlns:p14="http://schemas.microsoft.com/office/powerpoint/2010/main" val="758887520"/>
       </p:ext>
     </p:extLst>
   </p:cSld>
@@ -1511,7 +1416,7 @@
     </p:spTree>
     <p:extLst>
       <p:ext uri="{BB962C8B-B14F-4D97-AF65-F5344CB8AC3E}">
-        <p14:creationId xmlns:p14="http://schemas.microsoft.com/office/powerpoint/2010/main" val="758887520"/>
+        <p14:creationId xmlns:p14="http://schemas.microsoft.com/office/powerpoint/2010/main" val="916451743"/>
       </p:ext>
     </p:extLst>
   </p:cSld>
@@ -13565,7 +13470,7 @@
             <a:fld id="{48F99129-DC4F-4092-9054-00E37DE86F07}" type="datetime1">
               <a:rPr lang="en-US" smtClean="0"/>
               <a:pPr/>
-              <a:t>4/6/2020</a:t>
+              <a:t>4/23/2020</a:t>
             </a:fld>
             <a:endParaRPr lang="en-US"/>
           </a:p>
@@ -13828,7 +13733,7 @@
             <a:fld id="{9DF30374-33B8-4138-87A5-0CD8F81CCC49}" type="datetime1">
               <a:rPr lang="en-US" smtClean="0"/>
               <a:pPr/>
-              <a:t>4/6/2020</a:t>
+              <a:t>4/23/2020</a:t>
             </a:fld>
             <a:endParaRPr lang="en-US"/>
           </a:p>
@@ -14010,7 +13915,7 @@
             <a:fld id="{C0A9D930-D8CB-4386-9637-B457644FC5F3}" type="datetime1">
               <a:rPr lang="en-US" smtClean="0"/>
               <a:pPr/>
-              <a:t>4/6/2020</a:t>
+              <a:t>4/23/2020</a:t>
             </a:fld>
             <a:endParaRPr lang="en-US"/>
           </a:p>
@@ -14739,7 +14644,7 @@
             <a:fld id="{13857CB0-13A1-403F-8162-9A7030C29874}" type="datetime1">
               <a:rPr lang="en-US" smtClean="0"/>
               <a:pPr/>
-              <a:t>4/6/2020</a:t>
+              <a:t>4/23/2020</a:t>
             </a:fld>
             <a:endParaRPr lang="en-US"/>
           </a:p>
@@ -17897,7 +17802,7 @@
             <a:fld id="{E15CB140-4C5D-45AD-A5EB-EC0D86FDB33D}" type="datetime1">
               <a:rPr lang="en-US" smtClean="0"/>
               <a:pPr/>
-              <a:t>4/6/2020</a:t>
+              <a:t>4/23/2020</a:t>
             </a:fld>
             <a:endParaRPr lang="en-US"/>
           </a:p>
@@ -18135,7 +18040,7 @@
             <a:fld id="{3AB6331E-0E85-4708-9373-E743367B5B52}" type="datetime1">
               <a:rPr lang="en-US" smtClean="0"/>
               <a:pPr/>
-              <a:t>4/6/2020</a:t>
+              <a:t>4/23/2020</a:t>
             </a:fld>
             <a:endParaRPr lang="en-US"/>
           </a:p>
@@ -18508,7 +18413,7 @@
             <a:fld id="{AB99D6D7-9B10-4443-BA69-E960B6260B09}" type="datetime1">
               <a:rPr lang="en-US" smtClean="0"/>
               <a:pPr/>
-              <a:t>4/6/2020</a:t>
+              <a:t>4/23/2020</a:t>
             </a:fld>
             <a:endParaRPr lang="en-US"/>
           </a:p>
@@ -18632,7 +18537,7 @@
             <a:fld id="{7CC4820D-7633-4EE6-BF97-361B0439AB06}" type="datetime1">
               <a:rPr lang="en-US" smtClean="0"/>
               <a:pPr/>
-              <a:t>4/6/2020</a:t>
+              <a:t>4/23/2020</a:t>
             </a:fld>
             <a:endParaRPr lang="en-US"/>
           </a:p>
@@ -18729,7 +18634,7 @@
             <a:fld id="{314EC2DE-4D08-47D5-A0B7-CDAA0E758052}" type="datetime1">
               <a:rPr lang="en-US" smtClean="0"/>
               <a:pPr/>
-              <a:t>4/6/2020</a:t>
+              <a:t>4/23/2020</a:t>
             </a:fld>
             <a:endParaRPr lang="en-US"/>
           </a:p>
@@ -19008,7 +18913,7 @@
             <a:fld id="{186CFB15-868A-4B29-BA67-850957CA75CB}" type="datetime1">
               <a:rPr lang="en-US" smtClean="0"/>
               <a:pPr/>
-              <a:t>4/6/2020</a:t>
+              <a:t>4/23/2020</a:t>
             </a:fld>
             <a:endParaRPr lang="en-US"/>
           </a:p>
@@ -19267,7 +19172,7 @@
             <a:fld id="{7E67AD8F-4CC4-4FB4-B144-7CF4F8B37B2E}" type="datetime1">
               <a:rPr lang="en-US" smtClean="0"/>
               <a:pPr/>
-              <a:t>4/6/2020</a:t>
+              <a:t>4/23/2020</a:t>
             </a:fld>
             <a:endParaRPr lang="en-US"/>
           </a:p>
@@ -19512,7 +19417,7 @@
             <a:fld id="{ABD33F99-3B89-4BA8-8D8B-BFD462DD3662}" type="datetime1">
               <a:rPr lang="en-US" smtClean="0"/>
               <a:pPr/>
-              <a:t>4/6/2020</a:t>
+              <a:t>4/23/2020</a:t>
             </a:fld>
             <a:endParaRPr lang="en-US" dirty="0"/>
           </a:p>
@@ -20202,7 +20107,7 @@
           <a:p>
             <a:fld id="{997E942A-26CB-4FC8-A61F-ED7BAF06B75B}" type="datetimeFigureOut">
               <a:rPr lang="en-US" smtClean="0"/>
-              <a:t>4/6/2020</a:t>
+              <a:t>4/23/2020</a:t>
             </a:fld>
             <a:endParaRPr lang="en-US"/>
           </a:p>
@@ -20599,608 +20504,6 @@
       </p:grpSpPr>
       <p:sp>
         <p:nvSpPr>
-          <p:cNvPr id="5" name="Title 4"/>
-          <p:cNvSpPr>
-            <a:spLocks noGrp="1"/>
-          </p:cNvSpPr>
-          <p:nvPr>
-            <p:ph type="ctrTitle"/>
-          </p:nvPr>
-        </p:nvSpPr>
-        <p:spPr/>
-        <p:txBody>
-          <a:bodyPr/>
-          <a:lstStyle/>
-          <a:p>
-            <a:pPr algn="ctr"/>
-            <a:r>
-              <a:rPr lang="th-TH" dirty="0"/>
-              <a:t>แนวทางการคัดเลือกผู้ขายที่มีศักยภาพ</a:t>
-            </a:r>
-            <a:endParaRPr lang="en-US" dirty="0"/>
-          </a:p>
-        </p:txBody>
-      </p:sp>
-    </p:spTree>
-    <p:extLst>
-      <p:ext uri="{BB962C8B-B14F-4D97-AF65-F5344CB8AC3E}">
-        <p14:creationId xmlns:p14="http://schemas.microsoft.com/office/powerpoint/2010/main" val="925986790"/>
-      </p:ext>
-    </p:extLst>
-  </p:cSld>
-  <p:clrMapOvr>
-    <a:masterClrMapping/>
-  </p:clrMapOvr>
-</p:sld>
-</file>
-
-<file path=ppt/slides/slide10.xml><?xml version="1.0" encoding="utf-8"?>
-<p:sld xmlns:a="http://schemas.openxmlformats.org/drawingml/2006/main" xmlns:r="http://schemas.openxmlformats.org/officeDocument/2006/relationships" xmlns:p="http://schemas.openxmlformats.org/presentationml/2006/main">
-  <p:cSld>
-    <p:spTree>
-      <p:nvGrpSpPr>
-        <p:cNvPr id="1" name=""/>
-        <p:cNvGrpSpPr/>
-        <p:nvPr/>
-      </p:nvGrpSpPr>
-      <p:grpSpPr>
-        <a:xfrm>
-          <a:off x="0" y="0"/>
-          <a:ext cx="0" cy="0"/>
-          <a:chOff x="0" y="0"/>
-          <a:chExt cx="0" cy="0"/>
-        </a:xfrm>
-      </p:grpSpPr>
-      <p:sp>
-        <p:nvSpPr>
-          <p:cNvPr id="3" name="Content Placeholder 2"/>
-          <p:cNvSpPr>
-            <a:spLocks noGrp="1"/>
-          </p:cNvSpPr>
-          <p:nvPr>
-            <p:ph idx="1"/>
-          </p:nvPr>
-        </p:nvSpPr>
-        <p:spPr>
-          <a:xfrm>
-            <a:off x="0" y="1077785"/>
-            <a:ext cx="7793025" cy="5780215"/>
-          </a:xfrm>
-        </p:spPr>
-        <p:txBody>
-          <a:bodyPr>
-            <a:noAutofit/>
-          </a:bodyPr>
-          <a:lstStyle/>
-          <a:p>
-            <a:pPr marL="0" indent="0" fontAlgn="base">
-              <a:buNone/>
-            </a:pPr>
-            <a:r>
-              <a:rPr lang="th-TH" sz="2600" noProof="1">
-                <a:cs typeface="+mj-cs"/>
-              </a:rPr>
-              <a:t>หมายเลข 5 : </a:t>
-            </a:r>
-            <a:r>
-              <a:rPr lang="en-US" sz="2600" noProof="1">
-                <a:latin typeface="TH SarabunPSK" panose="020B0500040200020003" pitchFamily="34" charset="-34"/>
-                <a:cs typeface="TH SarabunPSK" panose="020B0500040200020003" pitchFamily="34" charset="-34"/>
-              </a:rPr>
-              <a:t>Totals Zone </a:t>
-            </a:r>
-            <a:r>
-              <a:rPr lang="th-TH" sz="2600" noProof="1">
-                <a:cs typeface="+mj-cs"/>
-              </a:rPr>
-              <a:t>เป็นส่วนที่ใช้แสดงยอดเงิน ภาษี ส่วนลด และยอดสุทธิ หมายเลข 6 : </a:t>
-            </a:r>
-            <a:r>
-              <a:rPr lang="en-US" sz="2600" noProof="1">
-                <a:latin typeface="TH SarabunPSK" panose="020B0500040200020003" pitchFamily="34" charset="-34"/>
-                <a:cs typeface="TH SarabunPSK" panose="020B0500040200020003" pitchFamily="34" charset="-34"/>
-              </a:rPr>
-              <a:t>Message Zone </a:t>
-            </a:r>
-            <a:r>
-              <a:rPr lang="th-TH" sz="2600" noProof="1">
-                <a:cs typeface="+mj-cs"/>
-              </a:rPr>
-              <a:t>เป็นส่วนที่ใช้แสดงข้อความ เช่น คําแนะนําเกี่ยวกับการชําระเงิน : ข้อความเพิ่มเติมอื่นๆ รวมถึงลายเซ็นของผู้ที่เกี่ยวข้อง </a:t>
-            </a:r>
-          </a:p>
-          <a:p>
-            <a:pPr marL="0" indent="0" fontAlgn="base">
-              <a:buNone/>
-            </a:pPr>
-            <a:endParaRPr lang="th-TH" sz="2600" noProof="1">
-              <a:cs typeface="+mj-cs"/>
-            </a:endParaRPr>
-          </a:p>
-        </p:txBody>
-      </p:sp>
-      <p:sp>
-        <p:nvSpPr>
-          <p:cNvPr id="6" name="Slide Number Placeholder 5"/>
-          <p:cNvSpPr>
-            <a:spLocks noGrp="1"/>
-          </p:cNvSpPr>
-          <p:nvPr>
-            <p:ph type="sldNum" sz="quarter" idx="12"/>
-          </p:nvPr>
-        </p:nvSpPr>
-        <p:spPr/>
-        <p:txBody>
-          <a:bodyPr/>
-          <a:lstStyle/>
-          <a:p>
-            <a:pPr defTabSz="1219170"/>
-            <a:fld id="{34D980EC-6CBC-42F5-A94B-1BCFCEFA1BE0}" type="slidenum">
-              <a:rPr lang="en-US" kern="0">
-                <a:latin typeface="Arial"/>
-                <a:cs typeface="Arial"/>
-                <a:sym typeface="Arial"/>
-                <a:rtl val="0"/>
-              </a:rPr>
-              <a:pPr defTabSz="1219170"/>
-              <a:t>10</a:t>
-            </a:fld>
-            <a:endParaRPr lang="en-US" kern="0">
-              <a:latin typeface="Arial"/>
-              <a:cs typeface="Arial"/>
-              <a:sym typeface="Arial"/>
-              <a:rtl val="0"/>
-            </a:endParaRPr>
-          </a:p>
-        </p:txBody>
-      </p:sp>
-      <p:sp>
-        <p:nvSpPr>
-          <p:cNvPr id="2" name="Title 1"/>
-          <p:cNvSpPr>
-            <a:spLocks noGrp="1"/>
-          </p:cNvSpPr>
-          <p:nvPr>
-            <p:ph type="title"/>
-          </p:nvPr>
-        </p:nvSpPr>
-        <p:spPr>
-          <a:xfrm>
-            <a:off x="0" y="50801"/>
-            <a:ext cx="5617029" cy="1325563"/>
-          </a:xfrm>
-        </p:spPr>
-        <p:txBody>
-          <a:bodyPr/>
-          <a:lstStyle/>
-          <a:p>
-            <a:r>
-              <a:rPr lang="th-TH" dirty="0"/>
-              <a:t>รูปแบบฟอร์ม </a:t>
-            </a:r>
-            <a:r>
-              <a:rPr lang="th-TH" dirty="0">
-                <a:latin typeface="TH SarabunPSK" panose="020B0500040200020003" pitchFamily="34" charset="-34"/>
-                <a:cs typeface="TH SarabunPSK" panose="020B0500040200020003" pitchFamily="34" charset="-34"/>
-              </a:rPr>
-              <a:t>(</a:t>
-            </a:r>
-            <a:r>
-              <a:rPr lang="en-US" dirty="0">
-                <a:latin typeface="TH SarabunPSK" panose="020B0500040200020003" pitchFamily="34" charset="-34"/>
-                <a:cs typeface="TH SarabunPSK" panose="020B0500040200020003" pitchFamily="34" charset="-34"/>
-              </a:rPr>
-              <a:t>Form Layout) </a:t>
-            </a:r>
-          </a:p>
-        </p:txBody>
-      </p:sp>
-      <p:pic>
-        <p:nvPicPr>
-          <p:cNvPr id="4" name="รูปภาพ 3">
-            <a:extLst>
-              <a:ext uri="{FF2B5EF4-FFF2-40B4-BE49-F238E27FC236}">
-                <a16:creationId xmlns:a16="http://schemas.microsoft.com/office/drawing/2014/main" id="{141A808C-F6CC-41DE-A724-A8858E58791D}"/>
-              </a:ext>
-            </a:extLst>
-          </p:cNvPr>
-          <p:cNvPicPr>
-            <a:picLocks noChangeAspect="1"/>
-          </p:cNvPicPr>
-          <p:nvPr/>
-        </p:nvPicPr>
-        <p:blipFill>
-          <a:blip r:embed="rId3"/>
-          <a:stretch>
-            <a:fillRect/>
-          </a:stretch>
-        </p:blipFill>
-        <p:spPr>
-          <a:xfrm>
-            <a:off x="7793025" y="50801"/>
-            <a:ext cx="4398975" cy="5246413"/>
-          </a:xfrm>
-          <a:prstGeom prst="rect">
-            <a:avLst/>
-          </a:prstGeom>
-        </p:spPr>
-      </p:pic>
-      <p:pic>
-        <p:nvPicPr>
-          <p:cNvPr id="8" name="รูปภาพ 7">
-            <a:extLst>
-              <a:ext uri="{FF2B5EF4-FFF2-40B4-BE49-F238E27FC236}">
-                <a16:creationId xmlns:a16="http://schemas.microsoft.com/office/drawing/2014/main" id="{449D5899-569F-43AB-800B-ACDECEACE443}"/>
-              </a:ext>
-            </a:extLst>
-          </p:cNvPr>
-          <p:cNvPicPr>
-            <a:picLocks noChangeAspect="1"/>
-          </p:cNvPicPr>
-          <p:nvPr/>
-        </p:nvPicPr>
-        <p:blipFill>
-          <a:blip r:embed="rId4"/>
-          <a:stretch>
-            <a:fillRect/>
-          </a:stretch>
-        </p:blipFill>
-        <p:spPr>
-          <a:xfrm>
-            <a:off x="4076837" y="2195201"/>
-            <a:ext cx="3508951" cy="4622903"/>
-          </a:xfrm>
-          <a:prstGeom prst="rect">
-            <a:avLst/>
-          </a:prstGeom>
-        </p:spPr>
-      </p:pic>
-    </p:spTree>
-    <p:extLst>
-      <p:ext uri="{BB962C8B-B14F-4D97-AF65-F5344CB8AC3E}">
-        <p14:creationId xmlns:p14="http://schemas.microsoft.com/office/powerpoint/2010/main" val="652607301"/>
-      </p:ext>
-    </p:extLst>
-  </p:cSld>
-  <p:clrMapOvr>
-    <a:masterClrMapping/>
-  </p:clrMapOvr>
-</p:sld>
-</file>
-
-<file path=ppt/slides/slide11.xml><?xml version="1.0" encoding="utf-8"?>
-<p:sld xmlns:a="http://schemas.openxmlformats.org/drawingml/2006/main" xmlns:r="http://schemas.openxmlformats.org/officeDocument/2006/relationships" xmlns:p="http://schemas.openxmlformats.org/presentationml/2006/main">
-  <p:cSld>
-    <p:spTree>
-      <p:nvGrpSpPr>
-        <p:cNvPr id="1" name=""/>
-        <p:cNvGrpSpPr/>
-        <p:nvPr/>
-      </p:nvGrpSpPr>
-      <p:grpSpPr>
-        <a:xfrm>
-          <a:off x="0" y="0"/>
-          <a:ext cx="0" cy="0"/>
-          <a:chOff x="0" y="0"/>
-          <a:chExt cx="0" cy="0"/>
-        </a:xfrm>
-      </p:grpSpPr>
-      <p:sp>
-        <p:nvSpPr>
-          <p:cNvPr id="3" name="Content Placeholder 2"/>
-          <p:cNvSpPr>
-            <a:spLocks noGrp="1"/>
-          </p:cNvSpPr>
-          <p:nvPr>
-            <p:ph idx="1"/>
-          </p:nvPr>
-        </p:nvSpPr>
-        <p:spPr>
-          <a:xfrm>
-            <a:off x="0" y="1376364"/>
-            <a:ext cx="10161037" cy="4351339"/>
-          </a:xfrm>
-        </p:spPr>
-        <p:txBody>
-          <a:bodyPr>
-            <a:noAutofit/>
-          </a:bodyPr>
-          <a:lstStyle/>
-          <a:p>
-            <a:pPr marL="0" indent="0" fontAlgn="base">
-              <a:buNone/>
-            </a:pPr>
-            <a:r>
-              <a:rPr lang="th-TH" noProof="1">
-                <a:solidFill>
-                  <a:schemeClr val="accent6"/>
-                </a:solidFill>
-                <a:cs typeface="+mj-cs"/>
-              </a:rPr>
-              <a:t>หัวข้อหรือรายการข้อมูลที่ปรากฏอยู่บนฟอร์มเอกสารต้นฉบับ เป็นสิ่งที่บอกให้ผู้กรอกรับรู้ว่าจะต้องกรอก ข้อมูลอะไรลงไปในตําแหน่งนั้นๆ โดยหัวข้อเหล่านี้ ควรใช้คําสั้นๆ ไม่เยิ่นเย้อ อ่านแล้วเข้าใจง่าย นอกจากนี้ยัง อาจแสดงตัวอย่างข้อมูล เช่น ได้ระบุรูปแบบวันที่ </a:t>
-            </a:r>
-            <a:r>
-              <a:rPr lang="th-TH" noProof="1">
-                <a:solidFill>
-                  <a:schemeClr val="accent6"/>
-                </a:solidFill>
-                <a:latin typeface="TH SarabunPSK" panose="020B0500040200020003" pitchFamily="34" charset="-34"/>
-                <a:cs typeface="TH SarabunPSK" panose="020B0500040200020003" pitchFamily="34" charset="-34"/>
-              </a:rPr>
-              <a:t>(</a:t>
-            </a:r>
-            <a:r>
-              <a:rPr lang="en-US" noProof="1">
-                <a:solidFill>
-                  <a:schemeClr val="accent6"/>
-                </a:solidFill>
-                <a:latin typeface="TH SarabunPSK" panose="020B0500040200020003" pitchFamily="34" charset="-34"/>
-                <a:cs typeface="TH SarabunPSK" panose="020B0500040200020003" pitchFamily="34" charset="-34"/>
-              </a:rPr>
-              <a:t>DD/MM/25YY) </a:t>
-            </a:r>
-            <a:r>
-              <a:rPr lang="th-TH" noProof="1">
-                <a:solidFill>
-                  <a:schemeClr val="accent6"/>
-                </a:solidFill>
-                <a:cs typeface="+mj-cs"/>
-              </a:rPr>
-              <a:t>เพื่อให้ผู้กรอกรู้ว่าต้องกรอกวันที่ในรูปแบบ เด ซึ่งย่อมส่งผลดีต่อการได้มาของข้อมูลที่ถูกต้อง</a:t>
-            </a:r>
-          </a:p>
-        </p:txBody>
-      </p:sp>
-      <p:sp>
-        <p:nvSpPr>
-          <p:cNvPr id="6" name="Slide Number Placeholder 5"/>
-          <p:cNvSpPr>
-            <a:spLocks noGrp="1"/>
-          </p:cNvSpPr>
-          <p:nvPr>
-            <p:ph type="sldNum" sz="quarter" idx="12"/>
-          </p:nvPr>
-        </p:nvSpPr>
-        <p:spPr/>
-        <p:txBody>
-          <a:bodyPr/>
-          <a:lstStyle/>
-          <a:p>
-            <a:pPr defTabSz="1219170"/>
-            <a:fld id="{34D980EC-6CBC-42F5-A94B-1BCFCEFA1BE0}" type="slidenum">
-              <a:rPr lang="en-US" kern="0">
-                <a:latin typeface="Arial"/>
-                <a:cs typeface="Arial"/>
-                <a:sym typeface="Arial"/>
-                <a:rtl val="0"/>
-              </a:rPr>
-              <a:pPr defTabSz="1219170"/>
-              <a:t>11</a:t>
-            </a:fld>
-            <a:endParaRPr lang="en-US" kern="0">
-              <a:latin typeface="Arial"/>
-              <a:cs typeface="Arial"/>
-              <a:sym typeface="Arial"/>
-              <a:rtl val="0"/>
-            </a:endParaRPr>
-          </a:p>
-        </p:txBody>
-      </p:sp>
-      <p:sp>
-        <p:nvSpPr>
-          <p:cNvPr id="2" name="Title 1"/>
-          <p:cNvSpPr>
-            <a:spLocks noGrp="1"/>
-          </p:cNvSpPr>
-          <p:nvPr>
-            <p:ph type="title"/>
-          </p:nvPr>
-        </p:nvSpPr>
-        <p:spPr>
-          <a:xfrm>
-            <a:off x="-1" y="50801"/>
-            <a:ext cx="7725747" cy="1325563"/>
-          </a:xfrm>
-        </p:spPr>
-        <p:txBody>
-          <a:bodyPr/>
-          <a:lstStyle/>
-          <a:p>
-            <a:r>
-              <a:rPr lang="th-TH" dirty="0"/>
-              <a:t>หัวข้อและการเก็บข้อมูล </a:t>
-            </a:r>
-            <a:br>
-              <a:rPr lang="th-TH" dirty="0"/>
-            </a:br>
-            <a:r>
-              <a:rPr lang="th-TH" dirty="0">
-                <a:latin typeface="TH SarabunPSK" panose="020B0500040200020003" pitchFamily="34" charset="-34"/>
-                <a:cs typeface="TH SarabunPSK" panose="020B0500040200020003" pitchFamily="34" charset="-34"/>
-              </a:rPr>
-              <a:t>(</a:t>
-            </a:r>
-            <a:r>
-              <a:rPr lang="en-US" dirty="0">
-                <a:latin typeface="TH SarabunPSK" panose="020B0500040200020003" pitchFamily="34" charset="-34"/>
-                <a:cs typeface="TH SarabunPSK" panose="020B0500040200020003" pitchFamily="34" charset="-34"/>
-              </a:rPr>
-              <a:t>Captions and Data Capture) </a:t>
-            </a:r>
-          </a:p>
-        </p:txBody>
-      </p:sp>
-      <p:pic>
-        <p:nvPicPr>
-          <p:cNvPr id="7" name="รูปภาพ 6">
-            <a:extLst>
-              <a:ext uri="{FF2B5EF4-FFF2-40B4-BE49-F238E27FC236}">
-                <a16:creationId xmlns:a16="http://schemas.microsoft.com/office/drawing/2014/main" id="{6F6EC835-FF45-485C-9341-24FF5C11FE17}"/>
-              </a:ext>
-            </a:extLst>
-          </p:cNvPr>
-          <p:cNvPicPr>
-            <a:picLocks noChangeAspect="1"/>
-          </p:cNvPicPr>
-          <p:nvPr/>
-        </p:nvPicPr>
-        <p:blipFill>
-          <a:blip r:embed="rId3"/>
-          <a:stretch>
-            <a:fillRect/>
-          </a:stretch>
-        </p:blipFill>
-        <p:spPr>
-          <a:xfrm>
-            <a:off x="6876660" y="2701927"/>
-            <a:ext cx="5256667" cy="4105272"/>
-          </a:xfrm>
-          <a:prstGeom prst="rect">
-            <a:avLst/>
-          </a:prstGeom>
-        </p:spPr>
-      </p:pic>
-    </p:spTree>
-    <p:extLst>
-      <p:ext uri="{BB962C8B-B14F-4D97-AF65-F5344CB8AC3E}">
-        <p14:creationId xmlns:p14="http://schemas.microsoft.com/office/powerpoint/2010/main" val="2935673527"/>
-      </p:ext>
-    </p:extLst>
-  </p:cSld>
-  <p:clrMapOvr>
-    <a:masterClrMapping/>
-  </p:clrMapOvr>
-</p:sld>
-</file>
-
-<file path=ppt/slides/slide12.xml><?xml version="1.0" encoding="utf-8"?>
-<p:sld xmlns:a="http://schemas.openxmlformats.org/drawingml/2006/main" xmlns:r="http://schemas.openxmlformats.org/officeDocument/2006/relationships" xmlns:p="http://schemas.openxmlformats.org/presentationml/2006/main">
-  <p:cSld>
-    <p:spTree>
-      <p:nvGrpSpPr>
-        <p:cNvPr id="1" name=""/>
-        <p:cNvGrpSpPr/>
-        <p:nvPr/>
-      </p:nvGrpSpPr>
-      <p:grpSpPr>
-        <a:xfrm>
-          <a:off x="0" y="0"/>
-          <a:ext cx="0" cy="0"/>
-          <a:chOff x="0" y="0"/>
-          <a:chExt cx="0" cy="0"/>
-        </a:xfrm>
-      </p:grpSpPr>
-      <p:sp>
-        <p:nvSpPr>
-          <p:cNvPr id="5" name="ตัวแทนหมายเลขสไลด์ 4">
-            <a:extLst>
-              <a:ext uri="{FF2B5EF4-FFF2-40B4-BE49-F238E27FC236}">
-                <a16:creationId xmlns:a16="http://schemas.microsoft.com/office/drawing/2014/main" id="{E487B908-E7F1-4701-BFF0-D32046256906}"/>
-              </a:ext>
-            </a:extLst>
-          </p:cNvPr>
-          <p:cNvSpPr>
-            <a:spLocks noGrp="1"/>
-          </p:cNvSpPr>
-          <p:nvPr>
-            <p:ph type="sldNum" sz="quarter" idx="12"/>
-          </p:nvPr>
-        </p:nvSpPr>
-        <p:spPr/>
-        <p:txBody>
-          <a:bodyPr/>
-          <a:lstStyle/>
-          <a:p>
-            <a:fld id="{34D980EC-6CBC-42F5-A94B-1BCFCEFA1BE0}" type="slidenum">
-              <a:rPr lang="en-US" smtClean="0"/>
-              <a:pPr/>
-              <a:t>12</a:t>
-            </a:fld>
-            <a:endParaRPr lang="en-US"/>
-          </a:p>
-        </p:txBody>
-      </p:sp>
-      <p:sp>
-        <p:nvSpPr>
-          <p:cNvPr id="9" name="สี่เหลี่ยมผืนผ้า 8">
-            <a:extLst>
-              <a:ext uri="{FF2B5EF4-FFF2-40B4-BE49-F238E27FC236}">
-                <a16:creationId xmlns:a16="http://schemas.microsoft.com/office/drawing/2014/main" id="{AB0B7924-3CE9-4F6A-9377-9BB9E2726933}"/>
-              </a:ext>
-            </a:extLst>
-          </p:cNvPr>
-          <p:cNvSpPr/>
-          <p:nvPr/>
-        </p:nvSpPr>
-        <p:spPr>
-          <a:xfrm>
-            <a:off x="2211355" y="1716833"/>
-            <a:ext cx="7025951" cy="3097763"/>
-          </a:xfrm>
-          <a:prstGeom prst="rect">
-            <a:avLst/>
-          </a:prstGeom>
-        </p:spPr>
-        <p:style>
-          <a:lnRef idx="2">
-            <a:schemeClr val="accent6"/>
-          </a:lnRef>
-          <a:fillRef idx="1">
-            <a:schemeClr val="lt1"/>
-          </a:fillRef>
-          <a:effectRef idx="0">
-            <a:schemeClr val="accent6"/>
-          </a:effectRef>
-          <a:fontRef idx="minor">
-            <a:schemeClr val="dk1"/>
-          </a:fontRef>
-        </p:style>
-        <p:txBody>
-          <a:bodyPr rtlCol="0" anchor="ctr"/>
-          <a:lstStyle/>
-          <a:p>
-            <a:pPr algn="ctr"/>
-            <a:r>
-              <a:rPr lang="th-TH" sz="7200" dirty="0">
-                <a:cs typeface="+mj-cs"/>
-              </a:rPr>
-              <a:t>ขอบคุณครับ</a:t>
-            </a:r>
-          </a:p>
-        </p:txBody>
-      </p:sp>
-    </p:spTree>
-    <p:extLst>
-      <p:ext uri="{BB962C8B-B14F-4D97-AF65-F5344CB8AC3E}">
-        <p14:creationId xmlns:p14="http://schemas.microsoft.com/office/powerpoint/2010/main" val="4282353505"/>
-      </p:ext>
-    </p:extLst>
-  </p:cSld>
-  <p:clrMapOvr>
-    <a:masterClrMapping/>
-  </p:clrMapOvr>
-</p:sld>
-</file>
-
-<file path=ppt/slides/slide2.xml><?xml version="1.0" encoding="utf-8"?>
-<p:sld xmlns:a="http://schemas.openxmlformats.org/drawingml/2006/main" xmlns:r="http://schemas.openxmlformats.org/officeDocument/2006/relationships" xmlns:p="http://schemas.openxmlformats.org/presentationml/2006/main">
-  <p:cSld>
-    <p:spTree>
-      <p:nvGrpSpPr>
-        <p:cNvPr id="1" name=""/>
-        <p:cNvGrpSpPr/>
-        <p:nvPr/>
-      </p:nvGrpSpPr>
-      <p:grpSpPr>
-        <a:xfrm>
-          <a:off x="0" y="0"/>
-          <a:ext cx="0" cy="0"/>
-          <a:chOff x="0" y="0"/>
-          <a:chExt cx="0" cy="0"/>
-        </a:xfrm>
-      </p:grpSpPr>
-      <p:sp>
-        <p:nvSpPr>
           <p:cNvPr id="3" name="Content Placeholder 2"/>
           <p:cNvSpPr>
             <a:spLocks noGrp="1"/>
@@ -21342,7 +20645,7 @@
                 <a:rtl val="0"/>
               </a:rPr>
               <a:pPr defTabSz="1219170"/>
-              <a:t>2</a:t>
+              <a:t>1</a:t>
             </a:fld>
             <a:endParaRPr lang="en-US" kern="0">
               <a:latin typeface="Arial"/>
@@ -21398,7 +20701,321 @@
 </p:sld>
 </file>
 
-<file path=ppt/slides/slide3.xml><?xml version="1.0" encoding="utf-8"?>
+<file path=ppt/slides/slide10.xml><?xml version="1.0" encoding="utf-8"?>
+<p:sld xmlns:a="http://schemas.openxmlformats.org/drawingml/2006/main" xmlns:r="http://schemas.openxmlformats.org/officeDocument/2006/relationships" xmlns:p="http://schemas.openxmlformats.org/presentationml/2006/main">
+  <p:cSld>
+    <p:spTree>
+      <p:nvGrpSpPr>
+        <p:cNvPr id="1" name=""/>
+        <p:cNvGrpSpPr/>
+        <p:nvPr/>
+      </p:nvGrpSpPr>
+      <p:grpSpPr>
+        <a:xfrm>
+          <a:off x="0" y="0"/>
+          <a:ext cx="0" cy="0"/>
+          <a:chOff x="0" y="0"/>
+          <a:chExt cx="0" cy="0"/>
+        </a:xfrm>
+      </p:grpSpPr>
+      <p:sp>
+        <p:nvSpPr>
+          <p:cNvPr id="3" name="Content Placeholder 2"/>
+          <p:cNvSpPr>
+            <a:spLocks noGrp="1"/>
+          </p:cNvSpPr>
+          <p:nvPr>
+            <p:ph idx="1"/>
+          </p:nvPr>
+        </p:nvSpPr>
+        <p:spPr>
+          <a:xfrm>
+            <a:off x="0" y="1376364"/>
+            <a:ext cx="10161037" cy="4351339"/>
+          </a:xfrm>
+        </p:spPr>
+        <p:txBody>
+          <a:bodyPr>
+            <a:noAutofit/>
+          </a:bodyPr>
+          <a:lstStyle/>
+          <a:p>
+            <a:pPr marL="0" indent="0" fontAlgn="base">
+              <a:buNone/>
+            </a:pPr>
+            <a:r>
+              <a:rPr lang="th-TH" noProof="1">
+                <a:solidFill>
+                  <a:schemeClr val="accent6"/>
+                </a:solidFill>
+                <a:cs typeface="+mj-cs"/>
+              </a:rPr>
+              <a:t>หัวข้อหรือรายการข้อมูลที่ปรากฏอยู่บนฟอร์มเอกสารต้นฉบับ เป็นสิ่งที่บอกให้ผู้กรอกรับรู้ว่าจะต้องกรอก ข้อมูลอะไรลงไปในตําแหน่งนั้นๆ โดยหัวข้อเหล่านี้ ควรใช้คําสั้นๆ ไม่เยิ่นเย้อ อ่านแล้วเข้าใจง่าย นอกจากนี้ยัง อาจแสดงตัวอย่างข้อมูล เช่น ได้ระบุรูปแบบวันที่ </a:t>
+            </a:r>
+            <a:r>
+              <a:rPr lang="th-TH" noProof="1">
+                <a:solidFill>
+                  <a:schemeClr val="accent6"/>
+                </a:solidFill>
+                <a:latin typeface="TH SarabunPSK" panose="020B0500040200020003" pitchFamily="34" charset="-34"/>
+                <a:cs typeface="TH SarabunPSK" panose="020B0500040200020003" pitchFamily="34" charset="-34"/>
+              </a:rPr>
+              <a:t>(</a:t>
+            </a:r>
+            <a:r>
+              <a:rPr lang="en-US" noProof="1">
+                <a:solidFill>
+                  <a:schemeClr val="accent6"/>
+                </a:solidFill>
+                <a:latin typeface="TH SarabunPSK" panose="020B0500040200020003" pitchFamily="34" charset="-34"/>
+                <a:cs typeface="TH SarabunPSK" panose="020B0500040200020003" pitchFamily="34" charset="-34"/>
+              </a:rPr>
+              <a:t>DD/MM/25YY) </a:t>
+            </a:r>
+            <a:r>
+              <a:rPr lang="th-TH" noProof="1">
+                <a:solidFill>
+                  <a:schemeClr val="accent6"/>
+                </a:solidFill>
+                <a:cs typeface="+mj-cs"/>
+              </a:rPr>
+              <a:t>เพื่อให้ผู้กรอกรู้ว่าต้องกรอกวันที่ในรูปแบบ เด ซึ่งย่อมส่งผลดีต่อการได้มาของข้อมูลที่ถูกต้อง</a:t>
+            </a:r>
+          </a:p>
+        </p:txBody>
+      </p:sp>
+      <p:sp>
+        <p:nvSpPr>
+          <p:cNvPr id="6" name="Slide Number Placeholder 5"/>
+          <p:cNvSpPr>
+            <a:spLocks noGrp="1"/>
+          </p:cNvSpPr>
+          <p:nvPr>
+            <p:ph type="sldNum" sz="quarter" idx="12"/>
+          </p:nvPr>
+        </p:nvSpPr>
+        <p:spPr/>
+        <p:txBody>
+          <a:bodyPr/>
+          <a:lstStyle/>
+          <a:p>
+            <a:pPr defTabSz="1219170"/>
+            <a:fld id="{34D980EC-6CBC-42F5-A94B-1BCFCEFA1BE0}" type="slidenum">
+              <a:rPr lang="en-US" kern="0">
+                <a:latin typeface="Arial"/>
+                <a:cs typeface="Arial"/>
+                <a:sym typeface="Arial"/>
+                <a:rtl val="0"/>
+              </a:rPr>
+              <a:pPr defTabSz="1219170"/>
+              <a:t>10</a:t>
+            </a:fld>
+            <a:endParaRPr lang="en-US" kern="0">
+              <a:latin typeface="Arial"/>
+              <a:cs typeface="Arial"/>
+              <a:sym typeface="Arial"/>
+              <a:rtl val="0"/>
+            </a:endParaRPr>
+          </a:p>
+        </p:txBody>
+      </p:sp>
+      <p:sp>
+        <p:nvSpPr>
+          <p:cNvPr id="2" name="Title 1"/>
+          <p:cNvSpPr>
+            <a:spLocks noGrp="1"/>
+          </p:cNvSpPr>
+          <p:nvPr>
+            <p:ph type="title"/>
+          </p:nvPr>
+        </p:nvSpPr>
+        <p:spPr>
+          <a:xfrm>
+            <a:off x="-1" y="50801"/>
+            <a:ext cx="7725747" cy="1325563"/>
+          </a:xfrm>
+        </p:spPr>
+        <p:txBody>
+          <a:bodyPr/>
+          <a:lstStyle/>
+          <a:p>
+            <a:r>
+              <a:rPr lang="th-TH" dirty="0"/>
+              <a:t>หัวข้อและการเก็บข้อมูล </a:t>
+            </a:r>
+            <a:br>
+              <a:rPr lang="th-TH" dirty="0"/>
+            </a:br>
+            <a:r>
+              <a:rPr lang="th-TH" dirty="0">
+                <a:latin typeface="TH SarabunPSK" panose="020B0500040200020003" pitchFamily="34" charset="-34"/>
+                <a:cs typeface="TH SarabunPSK" panose="020B0500040200020003" pitchFamily="34" charset="-34"/>
+              </a:rPr>
+              <a:t>(</a:t>
+            </a:r>
+            <a:r>
+              <a:rPr lang="en-US" dirty="0">
+                <a:latin typeface="TH SarabunPSK" panose="020B0500040200020003" pitchFamily="34" charset="-34"/>
+                <a:cs typeface="TH SarabunPSK" panose="020B0500040200020003" pitchFamily="34" charset="-34"/>
+              </a:rPr>
+              <a:t>Captions and Data Capture) </a:t>
+            </a:r>
+          </a:p>
+        </p:txBody>
+      </p:sp>
+      <p:pic>
+        <p:nvPicPr>
+          <p:cNvPr id="7" name="รูปภาพ 6">
+            <a:extLst>
+              <a:ext uri="{FF2B5EF4-FFF2-40B4-BE49-F238E27FC236}">
+                <a16:creationId xmlns:a16="http://schemas.microsoft.com/office/drawing/2014/main" id="{6F6EC835-FF45-485C-9341-24FF5C11FE17}"/>
+              </a:ext>
+            </a:extLst>
+          </p:cNvPr>
+          <p:cNvPicPr>
+            <a:picLocks noChangeAspect="1"/>
+          </p:cNvPicPr>
+          <p:nvPr/>
+        </p:nvPicPr>
+        <p:blipFill>
+          <a:blip r:embed="rId3"/>
+          <a:stretch>
+            <a:fillRect/>
+          </a:stretch>
+        </p:blipFill>
+        <p:spPr>
+          <a:xfrm>
+            <a:off x="6876660" y="2701927"/>
+            <a:ext cx="5256667" cy="4105272"/>
+          </a:xfrm>
+          <a:prstGeom prst="rect">
+            <a:avLst/>
+          </a:prstGeom>
+        </p:spPr>
+      </p:pic>
+    </p:spTree>
+    <p:extLst>
+      <p:ext uri="{BB962C8B-B14F-4D97-AF65-F5344CB8AC3E}">
+        <p14:creationId xmlns:p14="http://schemas.microsoft.com/office/powerpoint/2010/main" val="2935673527"/>
+      </p:ext>
+    </p:extLst>
+  </p:cSld>
+  <p:clrMapOvr>
+    <a:masterClrMapping/>
+  </p:clrMapOvr>
+</p:sld>
+</file>
+
+<file path=ppt/slides/slide11.xml><?xml version="1.0" encoding="utf-8"?>
+<p:sld xmlns:a="http://schemas.openxmlformats.org/drawingml/2006/main" xmlns:r="http://schemas.openxmlformats.org/officeDocument/2006/relationships" xmlns:p="http://schemas.openxmlformats.org/presentationml/2006/main">
+  <p:cSld>
+    <p:spTree>
+      <p:nvGrpSpPr>
+        <p:cNvPr id="1" name=""/>
+        <p:cNvGrpSpPr/>
+        <p:nvPr/>
+      </p:nvGrpSpPr>
+      <p:grpSpPr>
+        <a:xfrm>
+          <a:off x="0" y="0"/>
+          <a:ext cx="0" cy="0"/>
+          <a:chOff x="0" y="0"/>
+          <a:chExt cx="0" cy="0"/>
+        </a:xfrm>
+      </p:grpSpPr>
+      <p:sp>
+        <p:nvSpPr>
+          <p:cNvPr id="5" name="ตัวแทนหมายเลขสไลด์ 4">
+            <a:extLst>
+              <a:ext uri="{FF2B5EF4-FFF2-40B4-BE49-F238E27FC236}">
+                <a16:creationId xmlns:a16="http://schemas.microsoft.com/office/drawing/2014/main" id="{E487B908-E7F1-4701-BFF0-D32046256906}"/>
+              </a:ext>
+            </a:extLst>
+          </p:cNvPr>
+          <p:cNvSpPr>
+            <a:spLocks noGrp="1"/>
+          </p:cNvSpPr>
+          <p:nvPr>
+            <p:ph type="sldNum" sz="quarter" idx="12"/>
+          </p:nvPr>
+        </p:nvSpPr>
+        <p:spPr/>
+        <p:txBody>
+          <a:bodyPr/>
+          <a:lstStyle/>
+          <a:p>
+            <a:fld id="{34D980EC-6CBC-42F5-A94B-1BCFCEFA1BE0}" type="slidenum">
+              <a:rPr lang="en-US" smtClean="0"/>
+              <a:pPr/>
+              <a:t>11</a:t>
+            </a:fld>
+            <a:endParaRPr lang="en-US"/>
+          </a:p>
+        </p:txBody>
+      </p:sp>
+      <p:sp>
+        <p:nvSpPr>
+          <p:cNvPr id="9" name="สี่เหลี่ยมผืนผ้า 8">
+            <a:extLst>
+              <a:ext uri="{FF2B5EF4-FFF2-40B4-BE49-F238E27FC236}">
+                <a16:creationId xmlns:a16="http://schemas.microsoft.com/office/drawing/2014/main" id="{AB0B7924-3CE9-4F6A-9377-9BB9E2726933}"/>
+              </a:ext>
+            </a:extLst>
+          </p:cNvPr>
+          <p:cNvSpPr/>
+          <p:nvPr/>
+        </p:nvSpPr>
+        <p:spPr>
+          <a:xfrm>
+            <a:off x="2211355" y="1716833"/>
+            <a:ext cx="7025951" cy="3097763"/>
+          </a:xfrm>
+          <a:prstGeom prst="rect">
+            <a:avLst/>
+          </a:prstGeom>
+        </p:spPr>
+        <p:style>
+          <a:lnRef idx="2">
+            <a:schemeClr val="accent6"/>
+          </a:lnRef>
+          <a:fillRef idx="1">
+            <a:schemeClr val="lt1"/>
+          </a:fillRef>
+          <a:effectRef idx="0">
+            <a:schemeClr val="accent6"/>
+          </a:effectRef>
+          <a:fontRef idx="minor">
+            <a:schemeClr val="dk1"/>
+          </a:fontRef>
+        </p:style>
+        <p:txBody>
+          <a:bodyPr rtlCol="0" anchor="ctr"/>
+          <a:lstStyle/>
+          <a:p>
+            <a:pPr algn="ctr"/>
+            <a:r>
+              <a:rPr lang="th-TH" sz="7200" dirty="0">
+                <a:cs typeface="+mj-cs"/>
+              </a:rPr>
+              <a:t>ขอบคุณครับ</a:t>
+            </a:r>
+          </a:p>
+        </p:txBody>
+      </p:sp>
+    </p:spTree>
+    <p:extLst>
+      <p:ext uri="{BB962C8B-B14F-4D97-AF65-F5344CB8AC3E}">
+        <p14:creationId xmlns:p14="http://schemas.microsoft.com/office/powerpoint/2010/main" val="4282353505"/>
+      </p:ext>
+    </p:extLst>
+  </p:cSld>
+  <p:clrMapOvr>
+    <a:masterClrMapping/>
+  </p:clrMapOvr>
+</p:sld>
+</file>
+
+<file path=ppt/slides/slide2.xml><?xml version="1.0" encoding="utf-8"?>
 <p:sld xmlns:a="http://schemas.openxmlformats.org/drawingml/2006/main" xmlns:r="http://schemas.openxmlformats.org/officeDocument/2006/relationships" xmlns:p="http://schemas.openxmlformats.org/presentationml/2006/main">
   <p:cSld>
     <p:spTree>
@@ -21599,7 +21216,7 @@
                 <a:rtl val="0"/>
               </a:rPr>
               <a:pPr defTabSz="1219170"/>
-              <a:t>3</a:t>
+              <a:t>2</a:t>
             </a:fld>
             <a:endParaRPr lang="en-US" kern="0">
               <a:latin typeface="Arial"/>
@@ -21646,7 +21263,7 @@
 </p:sld>
 </file>
 
-<file path=ppt/slides/slide4.xml><?xml version="1.0" encoding="utf-8"?>
+<file path=ppt/slides/slide3.xml><?xml version="1.0" encoding="utf-8"?>
 <p:sld xmlns:a="http://schemas.openxmlformats.org/drawingml/2006/main" xmlns:r="http://schemas.openxmlformats.org/officeDocument/2006/relationships" xmlns:p="http://schemas.openxmlformats.org/presentationml/2006/main">
   <p:cSld>
     <p:spTree>
@@ -21772,7 +21389,7 @@
                 <a:rtl val="0"/>
               </a:rPr>
               <a:pPr defTabSz="1219170"/>
-              <a:t>4</a:t>
+              <a:t>3</a:t>
             </a:fld>
             <a:endParaRPr lang="en-US" kern="0">
               <a:latin typeface="Arial"/>
@@ -21819,7 +21436,7 @@
 </p:sld>
 </file>
 
-<file path=ppt/slides/slide5.xml><?xml version="1.0" encoding="utf-8"?>
+<file path=ppt/slides/slide4.xml><?xml version="1.0" encoding="utf-8"?>
 <p:sld xmlns:a="http://schemas.openxmlformats.org/drawingml/2006/main" xmlns:r="http://schemas.openxmlformats.org/officeDocument/2006/relationships" xmlns:p="http://schemas.openxmlformats.org/presentationml/2006/main">
   <p:cSld>
     <p:spTree>
@@ -21936,7 +21553,7 @@
                 <a:rtl val="0"/>
               </a:rPr>
               <a:pPr defTabSz="1219170"/>
-              <a:t>5</a:t>
+              <a:t>4</a:t>
             </a:fld>
             <a:endParaRPr lang="en-US" kern="0">
               <a:latin typeface="Arial"/>
@@ -21990,7 +21607,7 @@
 </p:sld>
 </file>
 
-<file path=ppt/slides/slide6.xml><?xml version="1.0" encoding="utf-8"?>
+<file path=ppt/slides/slide5.xml><?xml version="1.0" encoding="utf-8"?>
 <p:sld xmlns:a="http://schemas.openxmlformats.org/drawingml/2006/main" xmlns:r="http://schemas.openxmlformats.org/officeDocument/2006/relationships" xmlns:p="http://schemas.openxmlformats.org/presentationml/2006/main">
   <p:cSld>
     <p:spTree>
@@ -22131,7 +21748,7 @@
                 <a:rtl val="0"/>
               </a:rPr>
               <a:pPr defTabSz="1219170"/>
-              <a:t>6</a:t>
+              <a:t>5</a:t>
             </a:fld>
             <a:endParaRPr lang="en-US" kern="0">
               <a:latin typeface="Arial"/>
@@ -22182,7 +21799,7 @@
 </p:sld>
 </file>
 
-<file path=ppt/slides/slide7.xml><?xml version="1.0" encoding="utf-8"?>
+<file path=ppt/slides/slide6.xml><?xml version="1.0" encoding="utf-8"?>
 <p:sld xmlns:a="http://schemas.openxmlformats.org/drawingml/2006/main" xmlns:r="http://schemas.openxmlformats.org/officeDocument/2006/relationships" xmlns:p="http://schemas.openxmlformats.org/presentationml/2006/main">
   <p:cSld>
     <p:spTree>
@@ -22314,7 +21931,7 @@
                 <a:rtl val="0"/>
               </a:rPr>
               <a:pPr defTabSz="1219170"/>
-              <a:t>7</a:t>
+              <a:t>6</a:t>
             </a:fld>
             <a:endParaRPr lang="en-US" kern="0">
               <a:latin typeface="Arial"/>
@@ -22365,7 +21982,7 @@
 </p:sld>
 </file>
 
-<file path=ppt/slides/slide8.xml><?xml version="1.0" encoding="utf-8"?>
+<file path=ppt/slides/slide7.xml><?xml version="1.0" encoding="utf-8"?>
 <p:sld xmlns:a="http://schemas.openxmlformats.org/drawingml/2006/main" xmlns:r="http://schemas.openxmlformats.org/officeDocument/2006/relationships" xmlns:p="http://schemas.openxmlformats.org/presentationml/2006/main">
   <p:cSld>
     <p:spTree>
@@ -22501,7 +22118,7 @@
                 <a:rtl val="0"/>
               </a:rPr>
               <a:pPr defTabSz="1219170"/>
-              <a:t>8</a:t>
+              <a:t>7</a:t>
             </a:fld>
             <a:endParaRPr lang="en-US" kern="0">
               <a:latin typeface="Arial"/>
@@ -22569,7 +22186,7 @@
 </p:sld>
 </file>
 
-<file path=ppt/slides/slide9.xml><?xml version="1.0" encoding="utf-8"?>
+<file path=ppt/slides/slide8.xml><?xml version="1.0" encoding="utf-8"?>
 <p:sld xmlns:a="http://schemas.openxmlformats.org/drawingml/2006/main" xmlns:r="http://schemas.openxmlformats.org/officeDocument/2006/relationships" xmlns:p="http://schemas.openxmlformats.org/presentationml/2006/main">
   <p:cSld>
     <p:spTree>
@@ -22781,7 +22398,7 @@
                 <a:rtl val="0"/>
               </a:rPr>
               <a:pPr defTabSz="1219170"/>
-              <a:t>9</a:t>
+              <a:t>8</a:t>
             </a:fld>
             <a:endParaRPr lang="en-US" kern="0">
               <a:latin typeface="Arial"/>
@@ -22867,6 +22484,240 @@
     <p:extLst>
       <p:ext uri="{BB962C8B-B14F-4D97-AF65-F5344CB8AC3E}">
         <p14:creationId xmlns:p14="http://schemas.microsoft.com/office/powerpoint/2010/main" val="986905324"/>
+      </p:ext>
+    </p:extLst>
+  </p:cSld>
+  <p:clrMapOvr>
+    <a:masterClrMapping/>
+  </p:clrMapOvr>
+</p:sld>
+</file>
+
+<file path=ppt/slides/slide9.xml><?xml version="1.0" encoding="utf-8"?>
+<p:sld xmlns:a="http://schemas.openxmlformats.org/drawingml/2006/main" xmlns:r="http://schemas.openxmlformats.org/officeDocument/2006/relationships" xmlns:p="http://schemas.openxmlformats.org/presentationml/2006/main">
+  <p:cSld>
+    <p:spTree>
+      <p:nvGrpSpPr>
+        <p:cNvPr id="1" name=""/>
+        <p:cNvGrpSpPr/>
+        <p:nvPr/>
+      </p:nvGrpSpPr>
+      <p:grpSpPr>
+        <a:xfrm>
+          <a:off x="0" y="0"/>
+          <a:ext cx="0" cy="0"/>
+          <a:chOff x="0" y="0"/>
+          <a:chExt cx="0" cy="0"/>
+        </a:xfrm>
+      </p:grpSpPr>
+      <p:sp>
+        <p:nvSpPr>
+          <p:cNvPr id="3" name="Content Placeholder 2"/>
+          <p:cNvSpPr>
+            <a:spLocks noGrp="1"/>
+          </p:cNvSpPr>
+          <p:nvPr>
+            <p:ph idx="1"/>
+          </p:nvPr>
+        </p:nvSpPr>
+        <p:spPr>
+          <a:xfrm>
+            <a:off x="0" y="1077785"/>
+            <a:ext cx="7793025" cy="5780215"/>
+          </a:xfrm>
+        </p:spPr>
+        <p:txBody>
+          <a:bodyPr>
+            <a:noAutofit/>
+          </a:bodyPr>
+          <a:lstStyle/>
+          <a:p>
+            <a:pPr marL="0" indent="0" fontAlgn="base">
+              <a:buNone/>
+            </a:pPr>
+            <a:r>
+              <a:rPr lang="th-TH" sz="2600" noProof="1">
+                <a:cs typeface="+mj-cs"/>
+              </a:rPr>
+              <a:t>หมายเลข 5 : </a:t>
+            </a:r>
+            <a:r>
+              <a:rPr lang="en-US" sz="2600" noProof="1">
+                <a:latin typeface="TH SarabunPSK" panose="020B0500040200020003" pitchFamily="34" charset="-34"/>
+                <a:cs typeface="TH SarabunPSK" panose="020B0500040200020003" pitchFamily="34" charset="-34"/>
+              </a:rPr>
+              <a:t>Totals Zone </a:t>
+            </a:r>
+            <a:r>
+              <a:rPr lang="th-TH" sz="2600" noProof="1">
+                <a:cs typeface="+mj-cs"/>
+              </a:rPr>
+              <a:t>เป็นส่วนที่ใช้แสดงยอดเงิน ภาษี ส่วนลด และยอดสุทธิ หมายเลข 6 : </a:t>
+            </a:r>
+            <a:r>
+              <a:rPr lang="en-US" sz="2600" noProof="1">
+                <a:latin typeface="TH SarabunPSK" panose="020B0500040200020003" pitchFamily="34" charset="-34"/>
+                <a:cs typeface="TH SarabunPSK" panose="020B0500040200020003" pitchFamily="34" charset="-34"/>
+              </a:rPr>
+              <a:t>Message Zone </a:t>
+            </a:r>
+            <a:r>
+              <a:rPr lang="th-TH" sz="2600" noProof="1">
+                <a:cs typeface="+mj-cs"/>
+              </a:rPr>
+              <a:t>เป็นส่วนที่ใช้แสดงข้อความ เช่น คําแนะนําเกี่ยวกับการชําระเงิน : ข้อความเพิ่มเติมอื่นๆ รวมถึงลายเซ็นของผู้ที่เกี่ยวข้อง </a:t>
+            </a:r>
+          </a:p>
+          <a:p>
+            <a:pPr marL="0" indent="0" fontAlgn="base">
+              <a:buNone/>
+            </a:pPr>
+            <a:endParaRPr lang="th-TH" sz="2600" noProof="1">
+              <a:cs typeface="+mj-cs"/>
+            </a:endParaRPr>
+          </a:p>
+        </p:txBody>
+      </p:sp>
+      <p:sp>
+        <p:nvSpPr>
+          <p:cNvPr id="6" name="Slide Number Placeholder 5"/>
+          <p:cNvSpPr>
+            <a:spLocks noGrp="1"/>
+          </p:cNvSpPr>
+          <p:nvPr>
+            <p:ph type="sldNum" sz="quarter" idx="12"/>
+          </p:nvPr>
+        </p:nvSpPr>
+        <p:spPr/>
+        <p:txBody>
+          <a:bodyPr/>
+          <a:lstStyle/>
+          <a:p>
+            <a:pPr defTabSz="1219170"/>
+            <a:fld id="{34D980EC-6CBC-42F5-A94B-1BCFCEFA1BE0}" type="slidenum">
+              <a:rPr lang="en-US" kern="0">
+                <a:latin typeface="Arial"/>
+                <a:cs typeface="Arial"/>
+                <a:sym typeface="Arial"/>
+                <a:rtl val="0"/>
+              </a:rPr>
+              <a:pPr defTabSz="1219170"/>
+              <a:t>9</a:t>
+            </a:fld>
+            <a:endParaRPr lang="en-US" kern="0">
+              <a:latin typeface="Arial"/>
+              <a:cs typeface="Arial"/>
+              <a:sym typeface="Arial"/>
+              <a:rtl val="0"/>
+            </a:endParaRPr>
+          </a:p>
+        </p:txBody>
+      </p:sp>
+      <p:sp>
+        <p:nvSpPr>
+          <p:cNvPr id="2" name="Title 1"/>
+          <p:cNvSpPr>
+            <a:spLocks noGrp="1"/>
+          </p:cNvSpPr>
+          <p:nvPr>
+            <p:ph type="title"/>
+          </p:nvPr>
+        </p:nvSpPr>
+        <p:spPr>
+          <a:xfrm>
+            <a:off x="0" y="50801"/>
+            <a:ext cx="5617029" cy="1325563"/>
+          </a:xfrm>
+        </p:spPr>
+        <p:txBody>
+          <a:bodyPr/>
+          <a:lstStyle/>
+          <a:p>
+            <a:r>
+              <a:rPr lang="th-TH" dirty="0"/>
+              <a:t>รูปแบบฟอร์ม </a:t>
+            </a:r>
+            <a:r>
+              <a:rPr lang="th-TH" dirty="0">
+                <a:latin typeface="TH SarabunPSK" panose="020B0500040200020003" pitchFamily="34" charset="-34"/>
+                <a:cs typeface="TH SarabunPSK" panose="020B0500040200020003" pitchFamily="34" charset="-34"/>
+              </a:rPr>
+              <a:t>(</a:t>
+            </a:r>
+            <a:r>
+              <a:rPr lang="en-US" dirty="0">
+                <a:latin typeface="TH SarabunPSK" panose="020B0500040200020003" pitchFamily="34" charset="-34"/>
+                <a:cs typeface="TH SarabunPSK" panose="020B0500040200020003" pitchFamily="34" charset="-34"/>
+              </a:rPr>
+              <a:t>Form Layout) </a:t>
+            </a:r>
+          </a:p>
+        </p:txBody>
+      </p:sp>
+      <p:pic>
+        <p:nvPicPr>
+          <p:cNvPr id="4" name="รูปภาพ 3">
+            <a:extLst>
+              <a:ext uri="{FF2B5EF4-FFF2-40B4-BE49-F238E27FC236}">
+                <a16:creationId xmlns:a16="http://schemas.microsoft.com/office/drawing/2014/main" id="{141A808C-F6CC-41DE-A724-A8858E58791D}"/>
+              </a:ext>
+            </a:extLst>
+          </p:cNvPr>
+          <p:cNvPicPr>
+            <a:picLocks noChangeAspect="1"/>
+          </p:cNvPicPr>
+          <p:nvPr/>
+        </p:nvPicPr>
+        <p:blipFill>
+          <a:blip r:embed="rId3"/>
+          <a:stretch>
+            <a:fillRect/>
+          </a:stretch>
+        </p:blipFill>
+        <p:spPr>
+          <a:xfrm>
+            <a:off x="7793025" y="50801"/>
+            <a:ext cx="4398975" cy="5246413"/>
+          </a:xfrm>
+          <a:prstGeom prst="rect">
+            <a:avLst/>
+          </a:prstGeom>
+        </p:spPr>
+      </p:pic>
+      <p:pic>
+        <p:nvPicPr>
+          <p:cNvPr id="8" name="รูปภาพ 7">
+            <a:extLst>
+              <a:ext uri="{FF2B5EF4-FFF2-40B4-BE49-F238E27FC236}">
+                <a16:creationId xmlns:a16="http://schemas.microsoft.com/office/drawing/2014/main" id="{449D5899-569F-43AB-800B-ACDECEACE443}"/>
+              </a:ext>
+            </a:extLst>
+          </p:cNvPr>
+          <p:cNvPicPr>
+            <a:picLocks noChangeAspect="1"/>
+          </p:cNvPicPr>
+          <p:nvPr/>
+        </p:nvPicPr>
+        <p:blipFill>
+          <a:blip r:embed="rId4"/>
+          <a:stretch>
+            <a:fillRect/>
+          </a:stretch>
+        </p:blipFill>
+        <p:spPr>
+          <a:xfrm>
+            <a:off x="4076837" y="2195201"/>
+            <a:ext cx="3508951" cy="4622903"/>
+          </a:xfrm>
+          <a:prstGeom prst="rect">
+            <a:avLst/>
+          </a:prstGeom>
+        </p:spPr>
+      </p:pic>
+    </p:spTree>
+    <p:extLst>
+      <p:ext uri="{BB962C8B-B14F-4D97-AF65-F5344CB8AC3E}">
+        <p14:creationId xmlns:p14="http://schemas.microsoft.com/office/powerpoint/2010/main" val="652607301"/>
       </p:ext>
     </p:extLst>
   </p:cSld>
